--- a/docs/mateSearch.pptx
+++ b/docs/mateSearch.pptx
@@ -110,6 +110,22 @@
       </a:defRPr>
     </a:lvl9pPr>
   </p:defaultTextStyle>
+  <p:extLst>
+    <p:ext uri="{EFAFB233-063F-42B5-8137-9DF3F51BA10A}">
+      <p15:sldGuideLst xmlns:p15="http://schemas.microsoft.com/office/powerpoint/2012/main">
+        <p15:guide id="1" orient="horz" pos="2160">
+          <p15:clr>
+            <a:srgbClr val="A4A3A4"/>
+          </p15:clr>
+        </p15:guide>
+        <p15:guide id="2" pos="2880">
+          <p15:clr>
+            <a:srgbClr val="A4A3A4"/>
+          </p15:clr>
+        </p15:guide>
+      </p15:sldGuideLst>
+    </p:ext>
+  </p:extLst>
 </p:presentation>
 </file>
 
@@ -410,7 +426,7 @@
           </a:lstStyle>
           <a:p>
             <a:r>
-              <a:rPr lang="ru-RU" smtClean="0"/>
+              <a:rPr lang="ru-RU"/>
               <a:t>Образец заголовка</a:t>
             </a:r>
             <a:endParaRPr lang="en-US" dirty="0"/>
@@ -557,7 +573,7 @@
               <a:defRPr/>
             </a:pPr>
             <a:r>
-              <a:rPr lang="ru-RU" smtClean="0"/>
+              <a:rPr lang="ru-RU"/>
               <a:t>Образец подзаголовка</a:t>
             </a:r>
             <a:endParaRPr lang="en-US" dirty="0"/>
@@ -672,7 +688,7 @@
           <a:lstStyle/>
           <a:p>
             <a:r>
-              <a:rPr lang="ru-RU" smtClean="0"/>
+              <a:rPr lang="ru-RU"/>
               <a:t>Образец заголовка</a:t>
             </a:r>
             <a:endParaRPr lang="en-US"/>
@@ -696,35 +712,35 @@
           <a:p>
             <a:pPr lvl="0"/>
             <a:r>
-              <a:rPr lang="ru-RU" smtClean="0"/>
+              <a:rPr lang="ru-RU"/>
               <a:t>Образец текста</a:t>
             </a:r>
           </a:p>
           <a:p>
             <a:pPr lvl="1"/>
             <a:r>
-              <a:rPr lang="ru-RU" smtClean="0"/>
+              <a:rPr lang="ru-RU"/>
               <a:t>Второй уровень</a:t>
             </a:r>
           </a:p>
           <a:p>
             <a:pPr lvl="2"/>
             <a:r>
-              <a:rPr lang="ru-RU" smtClean="0"/>
+              <a:rPr lang="ru-RU"/>
               <a:t>Третий уровень</a:t>
             </a:r>
           </a:p>
           <a:p>
             <a:pPr lvl="3"/>
             <a:r>
-              <a:rPr lang="ru-RU" smtClean="0"/>
+              <a:rPr lang="ru-RU"/>
               <a:t>Четвертый уровень</a:t>
             </a:r>
           </a:p>
           <a:p>
             <a:pPr lvl="4"/>
             <a:r>
-              <a:rPr lang="ru-RU" smtClean="0"/>
+              <a:rPr lang="ru-RU"/>
               <a:t>Пятый уровень</a:t>
             </a:r>
             <a:endParaRPr lang="en-US"/>
@@ -844,7 +860,7 @@
           <a:lstStyle/>
           <a:p>
             <a:r>
-              <a:rPr lang="ru-RU" smtClean="0"/>
+              <a:rPr lang="ru-RU"/>
               <a:t>Образец заголовка</a:t>
             </a:r>
             <a:endParaRPr lang="en-US" dirty="0"/>
@@ -873,35 +889,35 @@
           <a:p>
             <a:pPr lvl="0"/>
             <a:r>
-              <a:rPr lang="ru-RU" smtClean="0"/>
+              <a:rPr lang="ru-RU"/>
               <a:t>Образец текста</a:t>
             </a:r>
           </a:p>
           <a:p>
             <a:pPr lvl="1"/>
             <a:r>
-              <a:rPr lang="ru-RU" smtClean="0"/>
+              <a:rPr lang="ru-RU"/>
               <a:t>Второй уровень</a:t>
             </a:r>
           </a:p>
           <a:p>
             <a:pPr lvl="2"/>
             <a:r>
-              <a:rPr lang="ru-RU" smtClean="0"/>
+              <a:rPr lang="ru-RU"/>
               <a:t>Третий уровень</a:t>
             </a:r>
           </a:p>
           <a:p>
             <a:pPr lvl="3"/>
             <a:r>
-              <a:rPr lang="ru-RU" smtClean="0"/>
+              <a:rPr lang="ru-RU"/>
               <a:t>Четвертый уровень</a:t>
             </a:r>
           </a:p>
           <a:p>
             <a:pPr lvl="4"/>
             <a:r>
-              <a:rPr lang="ru-RU" smtClean="0"/>
+              <a:rPr lang="ru-RU"/>
               <a:t>Пятый уровень</a:t>
             </a:r>
             <a:endParaRPr lang="en-US"/>
@@ -1016,7 +1032,7 @@
           <a:lstStyle/>
           <a:p>
             <a:r>
-              <a:rPr lang="ru-RU" smtClean="0"/>
+              <a:rPr lang="ru-RU"/>
               <a:t>Образец заголовка</a:t>
             </a:r>
             <a:endParaRPr lang="en-US"/>
@@ -1040,35 +1056,35 @@
           <a:p>
             <a:pPr lvl="0"/>
             <a:r>
-              <a:rPr lang="ru-RU" smtClean="0"/>
+              <a:rPr lang="ru-RU"/>
               <a:t>Образец текста</a:t>
             </a:r>
           </a:p>
           <a:p>
             <a:pPr lvl="1"/>
             <a:r>
-              <a:rPr lang="ru-RU" smtClean="0"/>
+              <a:rPr lang="ru-RU"/>
               <a:t>Второй уровень</a:t>
             </a:r>
           </a:p>
           <a:p>
             <a:pPr lvl="2"/>
             <a:r>
-              <a:rPr lang="ru-RU" smtClean="0"/>
+              <a:rPr lang="ru-RU"/>
               <a:t>Третий уровень</a:t>
             </a:r>
           </a:p>
           <a:p>
             <a:pPr lvl="3"/>
             <a:r>
-              <a:rPr lang="ru-RU" smtClean="0"/>
+              <a:rPr lang="ru-RU"/>
               <a:t>Четвертый уровень</a:t>
             </a:r>
           </a:p>
           <a:p>
             <a:pPr lvl="4"/>
             <a:r>
-              <a:rPr lang="ru-RU" smtClean="0"/>
+              <a:rPr lang="ru-RU"/>
               <a:t>Пятый уровень</a:t>
             </a:r>
             <a:endParaRPr lang="en-US" dirty="0"/>
@@ -1477,7 +1493,7 @@
               <a:defRPr/>
             </a:pPr>
             <a:r>
-              <a:rPr lang="ru-RU" smtClean="0"/>
+              <a:rPr lang="ru-RU"/>
               <a:t>Образец заголовка</a:t>
             </a:r>
             <a:endParaRPr lang="en-US" dirty="0"/>
@@ -1624,7 +1640,7 @@
               <a:defRPr/>
             </a:pPr>
             <a:r>
-              <a:rPr lang="ru-RU" smtClean="0"/>
+              <a:rPr lang="ru-RU"/>
               <a:t>Образец текста</a:t>
             </a:r>
           </a:p>
@@ -1772,35 +1788,35 @@
           <a:p>
             <a:pPr lvl="0"/>
             <a:r>
-              <a:rPr lang="ru-RU" smtClean="0"/>
+              <a:rPr lang="ru-RU"/>
               <a:t>Образец текста</a:t>
             </a:r>
           </a:p>
           <a:p>
             <a:pPr lvl="1"/>
             <a:r>
-              <a:rPr lang="ru-RU" smtClean="0"/>
+              <a:rPr lang="ru-RU"/>
               <a:t>Второй уровень</a:t>
             </a:r>
           </a:p>
           <a:p>
             <a:pPr lvl="2"/>
             <a:r>
-              <a:rPr lang="ru-RU" smtClean="0"/>
+              <a:rPr lang="ru-RU"/>
               <a:t>Третий уровень</a:t>
             </a:r>
           </a:p>
           <a:p>
             <a:pPr lvl="3"/>
             <a:r>
-              <a:rPr lang="ru-RU" smtClean="0"/>
+              <a:rPr lang="ru-RU"/>
               <a:t>Четвертый уровень</a:t>
             </a:r>
           </a:p>
           <a:p>
             <a:pPr lvl="4"/>
             <a:r>
-              <a:rPr lang="ru-RU" smtClean="0"/>
+              <a:rPr lang="ru-RU"/>
               <a:t>Пятый уровень</a:t>
             </a:r>
             <a:endParaRPr lang="en-US" dirty="0"/>
@@ -1857,35 +1873,35 @@
           <a:p>
             <a:pPr lvl="0"/>
             <a:r>
-              <a:rPr lang="ru-RU" smtClean="0"/>
+              <a:rPr lang="ru-RU"/>
               <a:t>Образец текста</a:t>
             </a:r>
           </a:p>
           <a:p>
             <a:pPr lvl="1"/>
             <a:r>
-              <a:rPr lang="ru-RU" smtClean="0"/>
+              <a:rPr lang="ru-RU"/>
               <a:t>Второй уровень</a:t>
             </a:r>
           </a:p>
           <a:p>
             <a:pPr lvl="2"/>
             <a:r>
-              <a:rPr lang="ru-RU" smtClean="0"/>
+              <a:rPr lang="ru-RU"/>
               <a:t>Третий уровень</a:t>
             </a:r>
           </a:p>
           <a:p>
             <a:pPr lvl="3"/>
             <a:r>
-              <a:rPr lang="ru-RU" smtClean="0"/>
+              <a:rPr lang="ru-RU"/>
               <a:t>Четвертый уровень</a:t>
             </a:r>
           </a:p>
           <a:p>
             <a:pPr lvl="4"/>
             <a:r>
-              <a:rPr lang="ru-RU" smtClean="0"/>
+              <a:rPr lang="ru-RU"/>
               <a:t>Пятый уровень</a:t>
             </a:r>
             <a:endParaRPr lang="en-US" dirty="0"/>
@@ -1975,7 +1991,7 @@
           <a:lstStyle/>
           <a:p>
             <a:r>
-              <a:rPr lang="ru-RU" smtClean="0"/>
+              <a:rPr lang="ru-RU"/>
               <a:t>Образец заголовка</a:t>
             </a:r>
             <a:endParaRPr lang="en-US"/>
@@ -2027,7 +2043,7 @@
           </a:lstStyle>
           <a:p>
             <a:r>
-              <a:rPr lang="ru-RU" smtClean="0"/>
+              <a:rPr lang="ru-RU"/>
               <a:t>Образец заголовка</a:t>
             </a:r>
             <a:endParaRPr lang="en-US"/>
@@ -2117,7 +2133,7 @@
               <a:buNone/>
             </a:pPr>
             <a:r>
-              <a:rPr lang="ru-RU" smtClean="0"/>
+              <a:rPr lang="ru-RU"/>
               <a:t>Образец текста</a:t>
             </a:r>
           </a:p>
@@ -2173,35 +2189,35 @@
           <a:p>
             <a:pPr lvl="0"/>
             <a:r>
-              <a:rPr lang="ru-RU" smtClean="0"/>
+              <a:rPr lang="ru-RU"/>
               <a:t>Образец текста</a:t>
             </a:r>
           </a:p>
           <a:p>
             <a:pPr lvl="1"/>
             <a:r>
-              <a:rPr lang="ru-RU" smtClean="0"/>
+              <a:rPr lang="ru-RU"/>
               <a:t>Второй уровень</a:t>
             </a:r>
           </a:p>
           <a:p>
             <a:pPr lvl="2"/>
             <a:r>
-              <a:rPr lang="ru-RU" smtClean="0"/>
+              <a:rPr lang="ru-RU"/>
               <a:t>Третий уровень</a:t>
             </a:r>
           </a:p>
           <a:p>
             <a:pPr lvl="3"/>
             <a:r>
-              <a:rPr lang="ru-RU" smtClean="0"/>
+              <a:rPr lang="ru-RU"/>
               <a:t>Четвертый уровень</a:t>
             </a:r>
           </a:p>
           <a:p>
             <a:pPr lvl="4"/>
             <a:r>
-              <a:rPr lang="ru-RU" smtClean="0"/>
+              <a:rPr lang="ru-RU"/>
               <a:t>Пятый уровень</a:t>
             </a:r>
             <a:endParaRPr lang="en-US" dirty="0"/>
@@ -2291,7 +2307,7 @@
               <a:buNone/>
             </a:pPr>
             <a:r>
-              <a:rPr lang="ru-RU" smtClean="0"/>
+              <a:rPr lang="ru-RU"/>
               <a:t>Образец текста</a:t>
             </a:r>
           </a:p>
@@ -2347,35 +2363,35 @@
           <a:p>
             <a:pPr lvl="0"/>
             <a:r>
-              <a:rPr lang="ru-RU" smtClean="0"/>
+              <a:rPr lang="ru-RU"/>
               <a:t>Образец текста</a:t>
             </a:r>
           </a:p>
           <a:p>
             <a:pPr lvl="1"/>
             <a:r>
-              <a:rPr lang="ru-RU" smtClean="0"/>
+              <a:rPr lang="ru-RU"/>
               <a:t>Второй уровень</a:t>
             </a:r>
           </a:p>
           <a:p>
             <a:pPr lvl="2"/>
             <a:r>
-              <a:rPr lang="ru-RU" smtClean="0"/>
+              <a:rPr lang="ru-RU"/>
               <a:t>Третий уровень</a:t>
             </a:r>
           </a:p>
           <a:p>
             <a:pPr lvl="3"/>
             <a:r>
-              <a:rPr lang="ru-RU" smtClean="0"/>
+              <a:rPr lang="ru-RU"/>
               <a:t>Четвертый уровень</a:t>
             </a:r>
           </a:p>
           <a:p>
             <a:pPr lvl="4"/>
             <a:r>
-              <a:rPr lang="ru-RU" smtClean="0"/>
+              <a:rPr lang="ru-RU"/>
               <a:t>Пятый уровень</a:t>
             </a:r>
             <a:endParaRPr lang="en-US" dirty="0"/>
@@ -2490,7 +2506,7 @@
           <a:lstStyle/>
           <a:p>
             <a:r>
-              <a:rPr lang="ru-RU" smtClean="0"/>
+              <a:rPr lang="ru-RU"/>
               <a:t>Образец заголовка</a:t>
             </a:r>
             <a:endParaRPr lang="en-US"/>
@@ -2837,7 +2853,7 @@
               <a:defRPr/>
             </a:pPr>
             <a:r>
-              <a:rPr lang="ru-RU" smtClean="0"/>
+              <a:rPr lang="ru-RU"/>
               <a:t>Образец заголовка</a:t>
             </a:r>
             <a:endParaRPr lang="en-US" dirty="0"/>
@@ -2894,35 +2910,35 @@
           <a:p>
             <a:pPr lvl="0"/>
             <a:r>
-              <a:rPr lang="ru-RU" smtClean="0"/>
+              <a:rPr lang="ru-RU"/>
               <a:t>Образец текста</a:t>
             </a:r>
           </a:p>
           <a:p>
             <a:pPr lvl="1"/>
             <a:r>
-              <a:rPr lang="ru-RU" smtClean="0"/>
+              <a:rPr lang="ru-RU"/>
               <a:t>Второй уровень</a:t>
             </a:r>
           </a:p>
           <a:p>
             <a:pPr lvl="2"/>
             <a:r>
-              <a:rPr lang="ru-RU" smtClean="0"/>
+              <a:rPr lang="ru-RU"/>
               <a:t>Третий уровень</a:t>
             </a:r>
           </a:p>
           <a:p>
             <a:pPr lvl="3"/>
             <a:r>
-              <a:rPr lang="ru-RU" smtClean="0"/>
+              <a:rPr lang="ru-RU"/>
               <a:t>Четвертый уровень</a:t>
             </a:r>
           </a:p>
           <a:p>
             <a:pPr lvl="4"/>
             <a:r>
-              <a:rPr lang="ru-RU" smtClean="0"/>
+              <a:rPr lang="ru-RU"/>
               <a:t>Пятый уровень</a:t>
             </a:r>
             <a:endParaRPr lang="en-US" dirty="0"/>
@@ -3015,7 +3031,7 @@
               <a:defRPr/>
             </a:pPr>
             <a:r>
-              <a:rPr lang="ru-RU" smtClean="0"/>
+              <a:rPr lang="ru-RU"/>
               <a:t>Образец текста</a:t>
             </a:r>
           </a:p>
@@ -3293,7 +3309,7 @@
           </a:lstStyle>
           <a:p>
             <a:r>
-              <a:rPr lang="ru-RU" smtClean="0"/>
+              <a:rPr lang="ru-RU"/>
               <a:t>Вставка рисунка</a:t>
             </a:r>
             <a:endParaRPr lang="en-US" dirty="0"/>
@@ -3480,7 +3496,7 @@
           </a:lstStyle>
           <a:p>
             <a:r>
-              <a:rPr lang="ru-RU" smtClean="0"/>
+              <a:rPr lang="ru-RU"/>
               <a:t>Образец заголовка</a:t>
             </a:r>
             <a:endParaRPr lang="en-US" dirty="0"/>
@@ -3550,7 +3566,7 @@
           <a:p>
             <a:pPr lvl="0"/>
             <a:r>
-              <a:rPr lang="ru-RU" smtClean="0"/>
+              <a:rPr lang="ru-RU"/>
               <a:t>Образец текста</a:t>
             </a:r>
           </a:p>
@@ -4313,7 +4329,7 @@
           <a:lstStyle/>
           <a:p>
             <a:r>
-              <a:rPr lang="ru-RU" smtClean="0"/>
+              <a:rPr lang="ru-RU"/>
               <a:t>Образец заголовка</a:t>
             </a:r>
             <a:endParaRPr lang="en-US" dirty="0"/>
@@ -4347,35 +4363,35 @@
           <a:p>
             <a:pPr lvl="0"/>
             <a:r>
-              <a:rPr lang="ru-RU" smtClean="0"/>
+              <a:rPr lang="ru-RU"/>
               <a:t>Образец текста</a:t>
             </a:r>
           </a:p>
           <a:p>
             <a:pPr lvl="1"/>
             <a:r>
-              <a:rPr lang="ru-RU" smtClean="0"/>
+              <a:rPr lang="ru-RU"/>
               <a:t>Второй уровень</a:t>
             </a:r>
           </a:p>
           <a:p>
             <a:pPr lvl="2"/>
             <a:r>
-              <a:rPr lang="ru-RU" smtClean="0"/>
+              <a:rPr lang="ru-RU"/>
               <a:t>Третий уровень</a:t>
             </a:r>
           </a:p>
           <a:p>
             <a:pPr lvl="3"/>
             <a:r>
-              <a:rPr lang="ru-RU" smtClean="0"/>
+              <a:rPr lang="ru-RU"/>
               <a:t>Четвертый уровень</a:t>
             </a:r>
           </a:p>
           <a:p>
             <a:pPr lvl="4"/>
             <a:r>
-              <a:rPr lang="ru-RU" smtClean="0"/>
+              <a:rPr lang="ru-RU"/>
               <a:t>Пятый уровень</a:t>
             </a:r>
             <a:endParaRPr lang="en-US" dirty="0"/>
@@ -4836,7 +4852,7 @@
           <a:p>
             <a:pPr algn="ctr"/>
             <a:r>
-              <a:rPr lang="en-US" sz="4800" dirty="0" err="1" smtClean="0"/>
+              <a:rPr lang="en-US" sz="4800" dirty="0" err="1"/>
               <a:t>mateSearch</a:t>
             </a:r>
             <a:endParaRPr lang="ru-RU" sz="4800" dirty="0"/>
@@ -4861,50 +4877,39 @@
           <a:lstStyle/>
           <a:p>
             <a:r>
-              <a:rPr lang="ru-RU" sz="1200" dirty="0" smtClean="0">
+              <a:rPr lang="ru-RU" sz="1200" dirty="0">
                 <a:latin typeface="Times New Roman" pitchFamily="18" charset="0"/>
                 <a:cs typeface="Times New Roman" pitchFamily="18" charset="0"/>
               </a:rPr>
               <a:t>Авторы</a:t>
             </a:r>
             <a:r>
-              <a:rPr lang="en-US" sz="1200" dirty="0" smtClean="0">
+              <a:rPr lang="en-US" sz="1200" dirty="0">
                 <a:latin typeface="Times New Roman" pitchFamily="18" charset="0"/>
                 <a:cs typeface="Times New Roman" pitchFamily="18" charset="0"/>
               </a:rPr>
               <a:t>: </a:t>
             </a:r>
             <a:r>
-              <a:rPr lang="ru-RU" sz="1200" dirty="0" smtClean="0">
+              <a:rPr lang="ru-RU" sz="1200" dirty="0">
                 <a:latin typeface="Times New Roman" pitchFamily="18" charset="0"/>
                 <a:cs typeface="Times New Roman" pitchFamily="18" charset="0"/>
               </a:rPr>
               <a:t>Чеснов Илья, Хохлов Сергей</a:t>
             </a:r>
-            <a:endParaRPr lang="ru-RU" sz="1200" dirty="0">
-              <a:latin typeface="Times New Roman" pitchFamily="18" charset="0"/>
-              <a:cs typeface="Times New Roman" pitchFamily="18" charset="0"/>
-            </a:endParaRPr>
           </a:p>
         </p:txBody>
       </p:sp>
     </p:spTree>
     <p:extLst>
       <p:ext uri="{BB962C8B-B14F-4D97-AF65-F5344CB8AC3E}">
-        <p14:creationId xmlns="" xmlns:p14="http://schemas.microsoft.com/office/powerpoint/2010/main" val="2097788926"/>
+        <p14:creationId xmlns:p14="http://schemas.microsoft.com/office/powerpoint/2010/main" val="2097788926"/>
       </p:ext>
     </p:extLst>
   </p:cSld>
   <p:clrMapOvr>
     <a:masterClrMapping/>
   </p:clrMapOvr>
-  <p:timing>
-    <p:tnLst>
-      <p:par>
-        <p:cTn id="1" dur="indefinite" restart="never" nodeType="tmRoot"/>
-      </p:par>
-    </p:tnLst>
-  </p:timing>
 </p:sld>
 </file>
 
@@ -4947,10 +4952,9 @@
           <a:p>
             <a:pPr algn="ctr"/>
             <a:r>
-              <a:rPr lang="ru-RU" dirty="0" smtClean="0"/>
+              <a:rPr lang="ru-RU" dirty="0"/>
               <a:t>Идея проекта</a:t>
             </a:r>
-            <a:endParaRPr lang="ru-RU" dirty="0"/>
           </a:p>
         </p:txBody>
       </p:sp>
@@ -4975,7 +4979,7 @@
           <a:lstStyle/>
           <a:p>
             <a:r>
-              <a:rPr lang="ru-RU" b="0" dirty="0" smtClean="0">
+              <a:rPr lang="ru-RU" b="0" dirty="0">
                 <a:latin typeface="Times New Roman" pitchFamily="18" charset="0"/>
                 <a:cs typeface="Times New Roman" pitchFamily="18" charset="0"/>
               </a:rPr>
@@ -4984,7 +4988,7 @@
           </a:p>
           <a:p>
             <a:r>
-              <a:rPr lang="ru-RU" b="0" dirty="0" smtClean="0">
+              <a:rPr lang="ru-RU" b="0" dirty="0">
                 <a:latin typeface="Times New Roman" pitchFamily="18" charset="0"/>
                 <a:cs typeface="Times New Roman" pitchFamily="18" charset="0"/>
               </a:rPr>
@@ -4993,16 +4997,12 @@
           </a:p>
           <a:p>
             <a:r>
-              <a:rPr lang="ru-RU" b="0" dirty="0" smtClean="0">
+              <a:rPr lang="ru-RU" b="0" dirty="0">
                 <a:latin typeface="Times New Roman" pitchFamily="18" charset="0"/>
                 <a:cs typeface="Times New Roman" pitchFamily="18" charset="0"/>
               </a:rPr>
               <a:t>На сайте доступен определённый список игр, но он легко расширяется (к сожалению пока что только в коде сайта).</a:t>
             </a:r>
-            <a:endParaRPr lang="ru-RU" b="0" dirty="0">
-              <a:latin typeface="Times New Roman" pitchFamily="18" charset="0"/>
-              <a:cs typeface="Times New Roman" pitchFamily="18" charset="0"/>
-            </a:endParaRPr>
           </a:p>
         </p:txBody>
       </p:sp>
@@ -5018,7 +5018,7 @@
           <a:blip r:embed="rId2">
             <a:extLst>
               <a:ext uri="{28A0092B-C50C-407E-A947-70E740481C1C}">
-                <a14:useLocalDpi xmlns="" xmlns:a14="http://schemas.microsoft.com/office/drawing/2010/main" val="0"/>
+                <a14:useLocalDpi xmlns:a14="http://schemas.microsoft.com/office/drawing/2010/main" val="0"/>
               </a:ext>
             </a:extLst>
           </a:blip>
@@ -5042,14 +5042,14 @@
           <a:effectLst/>
           <a:extLst>
             <a:ext uri="{909E8E84-426E-40DD-AFC4-6F175D3DCCD1}">
-              <a14:hiddenFill xmlns="" xmlns:a14="http://schemas.microsoft.com/office/drawing/2010/main">
+              <a14:hiddenFill xmlns:a14="http://schemas.microsoft.com/office/drawing/2010/main">
                 <a:solidFill>
                   <a:schemeClr val="accent1"/>
                 </a:solidFill>
               </a14:hiddenFill>
             </a:ext>
             <a:ext uri="{91240B29-F687-4F45-9708-019B960494DF}">
-              <a14:hiddenLine xmlns="" xmlns:a14="http://schemas.microsoft.com/office/drawing/2010/main" w="9525">
+              <a14:hiddenLine xmlns:a14="http://schemas.microsoft.com/office/drawing/2010/main" w="9525">
                 <a:solidFill>
                   <a:schemeClr val="tx1"/>
                 </a:solidFill>
@@ -5059,7 +5059,7 @@
               </a14:hiddenLine>
             </a:ext>
             <a:ext uri="{AF507438-7753-43E0-B8FC-AC1667EBCBE1}">
-              <a14:hiddenEffects xmlns="" xmlns:a14="http://schemas.microsoft.com/office/drawing/2010/main">
+              <a14:hiddenEffects xmlns:a14="http://schemas.microsoft.com/office/drawing/2010/main">
                 <a:effectLst>
                   <a:outerShdw dist="35921" dir="2700000" algn="ctr" rotWithShape="0">
                     <a:schemeClr val="bg2"/>
@@ -5092,38 +5092,26 @@
           <a:lstStyle/>
           <a:p>
             <a:r>
-              <a:rPr lang="ru-RU" b="1" dirty="0" smtClean="0">
+              <a:rPr lang="ru-RU" b="1" dirty="0">
                 <a:solidFill>
                   <a:srgbClr val="FF0000"/>
                 </a:solidFill>
               </a:rPr>
               <a:t>Введение:</a:t>
             </a:r>
-            <a:endParaRPr lang="ru-RU" b="1" dirty="0">
-              <a:solidFill>
-                <a:srgbClr val="FF0000"/>
-              </a:solidFill>
-            </a:endParaRPr>
           </a:p>
         </p:txBody>
       </p:sp>
     </p:spTree>
     <p:extLst>
       <p:ext uri="{BB962C8B-B14F-4D97-AF65-F5344CB8AC3E}">
-        <p14:creationId xmlns="" xmlns:p14="http://schemas.microsoft.com/office/powerpoint/2010/main" val="1118996013"/>
+        <p14:creationId xmlns:p14="http://schemas.microsoft.com/office/powerpoint/2010/main" val="1118996013"/>
       </p:ext>
     </p:extLst>
   </p:cSld>
   <p:clrMapOvr>
     <a:masterClrMapping/>
   </p:clrMapOvr>
-  <p:timing>
-    <p:tnLst>
-      <p:par>
-        <p:cTn id="1" dur="indefinite" restart="never" nodeType="tmRoot"/>
-      </p:par>
-    </p:tnLst>
-  </p:timing>
 </p:sld>
 </file>
 
@@ -5165,7 +5153,7 @@
           <a:lstStyle/>
           <a:p>
             <a:r>
-              <a:rPr lang="ru-RU" b="0" dirty="0" smtClean="0">
+              <a:rPr lang="ru-RU" b="0" dirty="0">
                 <a:latin typeface="Times New Roman" pitchFamily="18" charset="0"/>
                 <a:cs typeface="Times New Roman" pitchFamily="18" charset="0"/>
               </a:rPr>
@@ -5174,7 +5162,7 @@
           </a:p>
           <a:p>
             <a:r>
-              <a:rPr lang="ru-RU" b="0" dirty="0" smtClean="0">
+              <a:rPr lang="ru-RU" b="0" dirty="0">
                 <a:latin typeface="Times New Roman" pitchFamily="18" charset="0"/>
                 <a:cs typeface="Times New Roman" pitchFamily="18" charset="0"/>
               </a:rPr>
@@ -5187,19 +5175,12 @@
                 <a:latin typeface="Times New Roman" pitchFamily="18" charset="0"/>
                 <a:cs typeface="Times New Roman" pitchFamily="18" charset="0"/>
               </a:rPr>
-              <a:t>Н</a:t>
-            </a:r>
-            <a:r>
-              <a:rPr lang="ru-RU" b="0" dirty="0" smtClean="0">
-                <a:latin typeface="Times New Roman" pitchFamily="18" charset="0"/>
-                <a:cs typeface="Times New Roman" pitchFamily="18" charset="0"/>
-              </a:rPr>
-              <a:t>а главной странице сайта размещены последние игровые новости.</a:t>
-            </a:r>
-          </a:p>
-          <a:p>
-            <a:r>
-              <a:rPr lang="ru-RU" b="0" dirty="0" smtClean="0">
+              <a:t>На главной странице сайта размещены последние игровые новости.</a:t>
+            </a:r>
+          </a:p>
+          <a:p>
+            <a:r>
+              <a:rPr lang="ru-RU" b="0" dirty="0">
                 <a:latin typeface="Times New Roman" pitchFamily="18" charset="0"/>
                 <a:cs typeface="Times New Roman" pitchFamily="18" charset="0"/>
               </a:rPr>
@@ -5226,7 +5207,7 @@
           <a:blip r:embed="rId2">
             <a:extLst>
               <a:ext uri="{28A0092B-C50C-407E-A947-70E740481C1C}">
-                <a14:useLocalDpi xmlns="" xmlns:a14="http://schemas.microsoft.com/office/drawing/2010/main" val="0"/>
+                <a14:useLocalDpi xmlns:a14="http://schemas.microsoft.com/office/drawing/2010/main" val="0"/>
               </a:ext>
             </a:extLst>
           </a:blip>
@@ -5250,14 +5231,14 @@
           <a:effectLst/>
           <a:extLst>
             <a:ext uri="{909E8E84-426E-40DD-AFC4-6F175D3DCCD1}">
-              <a14:hiddenFill xmlns="" xmlns:a14="http://schemas.microsoft.com/office/drawing/2010/main">
+              <a14:hiddenFill xmlns:a14="http://schemas.microsoft.com/office/drawing/2010/main">
                 <a:solidFill>
                   <a:schemeClr val="accent1"/>
                 </a:solidFill>
               </a14:hiddenFill>
             </a:ext>
             <a:ext uri="{91240B29-F687-4F45-9708-019B960494DF}">
-              <a14:hiddenLine xmlns="" xmlns:a14="http://schemas.microsoft.com/office/drawing/2010/main" w="9525">
+              <a14:hiddenLine xmlns:a14="http://schemas.microsoft.com/office/drawing/2010/main" w="9525">
                 <a:solidFill>
                   <a:schemeClr val="tx1"/>
                 </a:solidFill>
@@ -5267,7 +5248,7 @@
               </a14:hiddenLine>
             </a:ext>
             <a:ext uri="{AF507438-7753-43E0-B8FC-AC1667EBCBE1}">
-              <a14:hiddenEffects xmlns="" xmlns:a14="http://schemas.microsoft.com/office/drawing/2010/main">
+              <a14:hiddenEffects xmlns:a14="http://schemas.microsoft.com/office/drawing/2010/main">
                 <a:effectLst>
                   <a:outerShdw dist="35921" dir="2700000" algn="ctr" rotWithShape="0">
                     <a:schemeClr val="bg2"/>
@@ -5300,38 +5281,26 @@
           <a:lstStyle/>
           <a:p>
             <a:r>
-              <a:rPr lang="ru-RU" b="1" dirty="0" smtClean="0">
+              <a:rPr lang="ru-RU" b="1" dirty="0">
                 <a:solidFill>
                   <a:srgbClr val="FF0000"/>
                 </a:solidFill>
               </a:rPr>
               <a:t>Введение:</a:t>
             </a:r>
-            <a:endParaRPr lang="ru-RU" b="1" dirty="0">
-              <a:solidFill>
-                <a:srgbClr val="FF0000"/>
-              </a:solidFill>
-            </a:endParaRPr>
           </a:p>
         </p:txBody>
       </p:sp>
     </p:spTree>
     <p:extLst>
       <p:ext uri="{BB962C8B-B14F-4D97-AF65-F5344CB8AC3E}">
-        <p14:creationId xmlns="" xmlns:p14="http://schemas.microsoft.com/office/powerpoint/2010/main" val="3534545690"/>
+        <p14:creationId xmlns:p14="http://schemas.microsoft.com/office/powerpoint/2010/main" val="3534545690"/>
       </p:ext>
     </p:extLst>
   </p:cSld>
   <p:clrMapOvr>
     <a:masterClrMapping/>
   </p:clrMapOvr>
-  <p:timing>
-    <p:tnLst>
-      <p:par>
-        <p:cTn id="1" dur="indefinite" restart="never" nodeType="tmRoot"/>
-      </p:par>
-    </p:tnLst>
-  </p:timing>
 </p:sld>
 </file>
 
@@ -5369,16 +5338,12 @@
           <a:p>
             <a:pPr algn="ctr"/>
             <a:r>
-              <a:rPr lang="ru-RU" b="1" dirty="0" smtClean="0">
+              <a:rPr lang="ru-RU" b="1" dirty="0">
                 <a:latin typeface="Times New Roman" pitchFamily="18" charset="0"/>
                 <a:cs typeface="Times New Roman" pitchFamily="18" charset="0"/>
               </a:rPr>
               <a:t>Структура</a:t>
             </a:r>
-            <a:endParaRPr lang="ru-RU" b="1" dirty="0">
-              <a:latin typeface="Times New Roman" pitchFamily="18" charset="0"/>
-              <a:cs typeface="Times New Roman" pitchFamily="18" charset="0"/>
-            </a:endParaRPr>
           </a:p>
         </p:txBody>
       </p:sp>
@@ -5404,18 +5369,13 @@
           <a:lstStyle/>
           <a:p>
             <a:r>
-              <a:rPr lang="ru-RU" b="1" dirty="0" smtClean="0">
+              <a:rPr lang="ru-RU" b="1" dirty="0">
                 <a:solidFill>
                   <a:srgbClr val="FF0000"/>
                 </a:solidFill>
               </a:rPr>
               <a:t>Описание реализации:</a:t>
             </a:r>
-            <a:endParaRPr lang="ru-RU" b="1" dirty="0">
-              <a:solidFill>
-                <a:srgbClr val="FF0000"/>
-              </a:solidFill>
-            </a:endParaRPr>
           </a:p>
         </p:txBody>
       </p:sp>
@@ -5673,10 +5633,9 @@
           <a:lstStyle/>
           <a:p>
             <a:r>
-              <a:rPr lang="ru-RU" dirty="0" smtClean="0"/>
+              <a:rPr lang="ru-RU" dirty="0"/>
               <a:t>- Класс с формой для ответа на вопрос</a:t>
             </a:r>
-            <a:endParaRPr lang="ru-RU" dirty="0"/>
           </a:p>
         </p:txBody>
       </p:sp>
@@ -5702,10 +5661,9 @@
           <a:lstStyle/>
           <a:p>
             <a:r>
-              <a:rPr lang="ru-RU" dirty="0" smtClean="0"/>
+              <a:rPr lang="ru-RU" dirty="0"/>
               <a:t>- Класс с формой для чатов</a:t>
             </a:r>
-            <a:endParaRPr lang="ru-RU" dirty="0"/>
           </a:p>
         </p:txBody>
       </p:sp>
@@ -5731,10 +5689,9 @@
           <a:lstStyle/>
           <a:p>
             <a:r>
-              <a:rPr lang="ru-RU" dirty="0" smtClean="0"/>
+              <a:rPr lang="ru-RU" dirty="0"/>
               <a:t>- Класс с формой для задавания вопроса</a:t>
             </a:r>
-            <a:endParaRPr lang="ru-RU" dirty="0"/>
           </a:p>
         </p:txBody>
       </p:sp>
@@ -5765,24 +5722,23 @@
               <a:buChar char="-"/>
             </a:pPr>
             <a:r>
-              <a:rPr lang="ru-RU" dirty="0" smtClean="0"/>
+              <a:rPr lang="ru-RU" dirty="0"/>
               <a:t>Класс </a:t>
             </a:r>
             <a:r>
-              <a:rPr lang="en-US" dirty="0" smtClean="0"/>
+              <a:rPr lang="en-US" dirty="0"/>
               <a:t>API </a:t>
             </a:r>
             <a:r>
-              <a:rPr lang="ru-RU" dirty="0" smtClean="0"/>
+              <a:rPr lang="ru-RU" dirty="0"/>
               <a:t>с методами получения информации и </a:t>
             </a:r>
           </a:p>
           <a:p>
             <a:r>
-              <a:rPr lang="ru-RU" dirty="0" smtClean="0"/>
+              <a:rPr lang="ru-RU" dirty="0"/>
               <a:t>удаления</a:t>
             </a:r>
-            <a:endParaRPr lang="ru-RU" dirty="0"/>
           </a:p>
         </p:txBody>
       </p:sp>
@@ -5812,26 +5768,25 @@
               <a:buChar char="-"/>
             </a:pPr>
             <a:r>
-              <a:rPr lang="ru-RU" dirty="0" smtClean="0"/>
+              <a:rPr lang="ru-RU" dirty="0"/>
               <a:t> В Классе</a:t>
             </a:r>
             <a:r>
-              <a:rPr lang="en-US" dirty="0" smtClean="0"/>
+              <a:rPr lang="en-US" dirty="0"/>
               <a:t> </a:t>
             </a:r>
             <a:r>
-              <a:rPr lang="ru-RU" dirty="0" smtClean="0"/>
+              <a:rPr lang="ru-RU" dirty="0"/>
               <a:t>определяются операции, которые мы можем сделать с </a:t>
             </a:r>
             <a:r>
-              <a:rPr lang="ru-RU" b="1" dirty="0" smtClean="0"/>
+              <a:rPr lang="ru-RU" b="1" dirty="0"/>
               <a:t>набором</a:t>
             </a:r>
             <a:r>
-              <a:rPr lang="ru-RU" dirty="0" smtClean="0"/>
+              <a:rPr lang="ru-RU" dirty="0"/>
               <a:t> объектов: показать список объектов и добавить объект в список. </a:t>
             </a:r>
-            <a:endParaRPr lang="ru-RU" dirty="0"/>
           </a:p>
         </p:txBody>
       </p:sp>
@@ -5857,10 +5812,9 @@
           <a:lstStyle/>
           <a:p>
             <a:r>
-              <a:rPr lang="ru-RU" dirty="0" smtClean="0"/>
+              <a:rPr lang="ru-RU" dirty="0"/>
               <a:t>- Класс с формой для редактирования профиля</a:t>
             </a:r>
-            <a:endParaRPr lang="ru-RU" dirty="0"/>
           </a:p>
         </p:txBody>
       </p:sp>
@@ -5891,7 +5845,7 @@
               <a:buChar char="-"/>
             </a:pPr>
             <a:r>
-              <a:rPr lang="ru-RU" dirty="0" smtClean="0"/>
+              <a:rPr lang="ru-RU" dirty="0"/>
               <a:t>Класс для </a:t>
             </a:r>
           </a:p>
@@ -5901,7 +5855,7 @@
               <a:buChar char="-"/>
             </a:pPr>
             <a:r>
-              <a:rPr lang="ru-RU" dirty="0" smtClean="0"/>
+              <a:rPr lang="ru-RU" dirty="0"/>
               <a:t>подключения к таблице</a:t>
             </a:r>
           </a:p>
@@ -5911,15 +5865,15 @@
               <a:buChar char="-"/>
             </a:pPr>
             <a:r>
-              <a:rPr lang="en-US" dirty="0" smtClean="0"/>
+              <a:rPr lang="en-US" dirty="0"/>
               <a:t> forum</a:t>
             </a:r>
             <a:r>
-              <a:rPr lang="ru-RU" dirty="0" smtClean="0"/>
+              <a:rPr lang="ru-RU" dirty="0"/>
               <a:t> в </a:t>
             </a:r>
             <a:r>
-              <a:rPr lang="ru-RU" dirty="0" err="1" smtClean="0"/>
+              <a:rPr lang="ru-RU" dirty="0" err="1"/>
               <a:t>бд</a:t>
             </a:r>
             <a:endParaRPr lang="ru-RU" dirty="0"/>
@@ -5929,20 +5883,13 @@
     </p:spTree>
     <p:extLst>
       <p:ext uri="{BB962C8B-B14F-4D97-AF65-F5344CB8AC3E}">
-        <p14:creationId xmlns="" xmlns:p14="http://schemas.microsoft.com/office/powerpoint/2010/main" val="431738108"/>
+        <p14:creationId xmlns:p14="http://schemas.microsoft.com/office/powerpoint/2010/main" val="431738108"/>
       </p:ext>
     </p:extLst>
   </p:cSld>
   <p:clrMapOvr>
     <a:masterClrMapping/>
   </p:clrMapOvr>
-  <p:timing>
-    <p:tnLst>
-      <p:par>
-        <p:cTn id="1" dur="indefinite" restart="never" nodeType="tmRoot"/>
-      </p:par>
-    </p:tnLst>
-  </p:timing>
 </p:sld>
 </file>
 
@@ -5985,18 +5932,13 @@
           <a:lstStyle/>
           <a:p>
             <a:r>
-              <a:rPr lang="ru-RU" b="1" dirty="0" smtClean="0">
+              <a:rPr lang="ru-RU" b="1" dirty="0">
                 <a:solidFill>
                   <a:srgbClr val="FF0000"/>
                 </a:solidFill>
               </a:rPr>
               <a:t>Описание реализации:</a:t>
             </a:r>
-            <a:endParaRPr lang="ru-RU" b="1" dirty="0">
-              <a:solidFill>
-                <a:srgbClr val="FF0000"/>
-              </a:solidFill>
-            </a:endParaRPr>
           </a:p>
         </p:txBody>
       </p:sp>
@@ -6253,10 +6195,9 @@
           <a:lstStyle/>
           <a:p>
             <a:r>
-              <a:rPr lang="ru-RU" dirty="0" smtClean="0"/>
+              <a:rPr lang="ru-RU" dirty="0"/>
               <a:t>- Класс с формой для настроек</a:t>
             </a:r>
-            <a:endParaRPr lang="ru-RU" dirty="0"/>
           </a:p>
         </p:txBody>
       </p:sp>
@@ -6282,10 +6223,9 @@
           <a:lstStyle/>
           <a:p>
             <a:r>
-              <a:rPr lang="ru-RU" dirty="0" smtClean="0"/>
+              <a:rPr lang="ru-RU" dirty="0"/>
               <a:t>- Класс с формой для регистрации</a:t>
             </a:r>
-            <a:endParaRPr lang="ru-RU" dirty="0"/>
           </a:p>
         </p:txBody>
       </p:sp>
@@ -6311,10 +6251,9 @@
           <a:lstStyle/>
           <a:p>
             <a:r>
-              <a:rPr lang="ru-RU" dirty="0" smtClean="0"/>
+              <a:rPr lang="ru-RU" dirty="0"/>
               <a:t>- Класс с формой для переопределения ролей</a:t>
             </a:r>
-            <a:endParaRPr lang="ru-RU" dirty="0"/>
           </a:p>
         </p:txBody>
       </p:sp>
@@ -6340,11 +6279,11 @@
           <a:lstStyle/>
           <a:p>
             <a:r>
-              <a:rPr lang="ru-RU" dirty="0" smtClean="0"/>
+              <a:rPr lang="ru-RU" dirty="0"/>
               <a:t>- Класс с формой для входа в </a:t>
             </a:r>
             <a:r>
-              <a:rPr lang="ru-RU" dirty="0" err="1" smtClean="0"/>
+              <a:rPr lang="ru-RU" dirty="0" err="1"/>
               <a:t>аккаунт</a:t>
             </a:r>
             <a:endParaRPr lang="ru-RU" dirty="0"/>
@@ -6374,19 +6313,19 @@
           <a:lstStyle/>
           <a:p>
             <a:r>
-              <a:rPr lang="ru-RU" dirty="0" smtClean="0"/>
+              <a:rPr lang="ru-RU" dirty="0"/>
               <a:t>- Класс для подключения к таблице </a:t>
             </a:r>
             <a:r>
-              <a:rPr lang="en-US" dirty="0" smtClean="0"/>
+              <a:rPr lang="en-US" dirty="0"/>
               <a:t>news </a:t>
             </a:r>
             <a:r>
-              <a:rPr lang="ru-RU" dirty="0" smtClean="0"/>
+              <a:rPr lang="ru-RU" dirty="0"/>
               <a:t>в </a:t>
             </a:r>
             <a:r>
-              <a:rPr lang="ru-RU" dirty="0" err="1" smtClean="0"/>
+              <a:rPr lang="ru-RU" dirty="0" err="1"/>
               <a:t>бд</a:t>
             </a:r>
             <a:endParaRPr lang="ru-RU" dirty="0"/>
@@ -6419,11 +6358,11 @@
               <a:buChar char="-"/>
             </a:pPr>
             <a:r>
-              <a:rPr lang="ru-RU" dirty="0" smtClean="0"/>
+              <a:rPr lang="ru-RU" dirty="0"/>
               <a:t>Класс для подключения к таблице </a:t>
             </a:r>
             <a:r>
-              <a:rPr lang="en-US" dirty="0" smtClean="0"/>
+              <a:rPr lang="en-US" dirty="0"/>
               <a:t>settings</a:t>
             </a:r>
           </a:p>
@@ -6433,15 +6372,15 @@
               <a:buChar char="-"/>
             </a:pPr>
             <a:r>
-              <a:rPr lang="en-US" dirty="0" smtClean="0"/>
+              <a:rPr lang="en-US" dirty="0"/>
               <a:t> </a:t>
             </a:r>
             <a:r>
-              <a:rPr lang="ru-RU" dirty="0" smtClean="0"/>
+              <a:rPr lang="ru-RU" dirty="0"/>
               <a:t>в </a:t>
             </a:r>
             <a:r>
-              <a:rPr lang="ru-RU" dirty="0" err="1" smtClean="0"/>
+              <a:rPr lang="ru-RU" dirty="0" err="1"/>
               <a:t>бд</a:t>
             </a:r>
             <a:endParaRPr lang="ru-RU" dirty="0"/>
@@ -6474,22 +6413,22 @@
               <a:buChar char="-"/>
             </a:pPr>
             <a:r>
-              <a:rPr lang="ru-RU" dirty="0" smtClean="0"/>
+              <a:rPr lang="ru-RU" dirty="0"/>
               <a:t>Класс для подключения к таблице </a:t>
             </a:r>
-            <a:endParaRPr lang="en-US" dirty="0" smtClean="0"/>
-          </a:p>
-          <a:p>
-            <a:r>
-              <a:rPr lang="en-US" dirty="0" smtClean="0"/>
+            <a:endParaRPr lang="en-US" dirty="0"/>
+          </a:p>
+          <a:p>
+            <a:r>
+              <a:rPr lang="en-US" dirty="0"/>
               <a:t>user </a:t>
             </a:r>
             <a:r>
-              <a:rPr lang="ru-RU" dirty="0" smtClean="0"/>
+              <a:rPr lang="ru-RU" dirty="0"/>
               <a:t>в </a:t>
             </a:r>
             <a:r>
-              <a:rPr lang="ru-RU" dirty="0" err="1" smtClean="0"/>
+              <a:rPr lang="ru-RU" dirty="0" err="1"/>
               <a:t>бд</a:t>
             </a:r>
             <a:endParaRPr lang="ru-RU" dirty="0"/>
@@ -6543,14 +6482,14 @@
           <a:lstStyle/>
           <a:p>
             <a:r>
-              <a:rPr lang="ru-RU" sz="2800" b="1" dirty="0" smtClean="0">
+              <a:rPr lang="ru-RU" sz="2800" b="1" dirty="0">
                 <a:latin typeface="Times New Roman" pitchFamily="18" charset="0"/>
                 <a:cs typeface="Times New Roman" pitchFamily="18" charset="0"/>
               </a:rPr>
               <a:t>Библиотеки которые мы использовали</a:t>
             </a:r>
             <a:r>
-              <a:rPr lang="en-US" sz="2800" b="1" dirty="0" smtClean="0">
+              <a:rPr lang="en-US" sz="2800" b="1" dirty="0">
                 <a:latin typeface="Times New Roman" pitchFamily="18" charset="0"/>
                 <a:cs typeface="Times New Roman" pitchFamily="18" charset="0"/>
               </a:rPr>
@@ -6620,7 +6559,7 @@
               <a:buChar char="•"/>
             </a:pPr>
             <a:r>
-              <a:rPr lang="en-US" dirty="0" smtClean="0"/>
+              <a:rPr lang="en-US" dirty="0"/>
               <a:t> flask</a:t>
             </a:r>
           </a:p>
@@ -6630,14 +6569,14 @@
               <a:buChar char="•"/>
             </a:pPr>
             <a:r>
-              <a:rPr lang="en-US" dirty="0" smtClean="0"/>
+              <a:rPr lang="en-US" dirty="0"/>
               <a:t> </a:t>
             </a:r>
             <a:r>
-              <a:rPr lang="en-US" dirty="0" err="1" smtClean="0"/>
+              <a:rPr lang="en-US" dirty="0" err="1"/>
               <a:t>flask_login</a:t>
             </a:r>
-            <a:endParaRPr lang="en-US" dirty="0" smtClean="0"/>
+            <a:endParaRPr lang="en-US" dirty="0"/>
           </a:p>
           <a:p>
             <a:pPr>
@@ -6645,7 +6584,7 @@
               <a:buChar char="•"/>
             </a:pPr>
             <a:r>
-              <a:rPr lang="en-US" dirty="0" smtClean="0"/>
+              <a:rPr lang="en-US" dirty="0"/>
               <a:t> random</a:t>
             </a:r>
           </a:p>
@@ -6655,7 +6594,7 @@
               <a:buChar char="•"/>
             </a:pPr>
             <a:r>
-              <a:rPr lang="en-US" dirty="0" smtClean="0"/>
+              <a:rPr lang="en-US" dirty="0"/>
               <a:t> sys</a:t>
             </a:r>
           </a:p>
@@ -6665,14 +6604,14 @@
               <a:buChar char="•"/>
             </a:pPr>
             <a:r>
-              <a:rPr lang="en-US" dirty="0" smtClean="0"/>
+              <a:rPr lang="en-US" dirty="0"/>
               <a:t> </a:t>
             </a:r>
             <a:r>
-              <a:rPr lang="en-US" dirty="0" err="1" smtClean="0"/>
+              <a:rPr lang="en-US" dirty="0" err="1"/>
               <a:t>flask_restful</a:t>
             </a:r>
-            <a:endParaRPr lang="en-US" dirty="0" smtClean="0"/>
+            <a:endParaRPr lang="en-US" dirty="0"/>
           </a:p>
           <a:p>
             <a:pPr>
@@ -6680,14 +6619,14 @@
               <a:buChar char="•"/>
             </a:pPr>
             <a:r>
-              <a:rPr lang="en-US" dirty="0" smtClean="0"/>
+              <a:rPr lang="en-US" dirty="0"/>
               <a:t> </a:t>
             </a:r>
             <a:r>
-              <a:rPr lang="en-US" dirty="0" err="1" smtClean="0"/>
+              <a:rPr lang="en-US" dirty="0" err="1"/>
               <a:t>werkzueg.security</a:t>
             </a:r>
-            <a:endParaRPr lang="en-US" dirty="0" smtClean="0"/>
+            <a:endParaRPr lang="en-US" dirty="0"/>
           </a:p>
           <a:p>
             <a:pPr>
@@ -6695,14 +6634,14 @@
               <a:buChar char="•"/>
             </a:pPr>
             <a:r>
-              <a:rPr lang="en-US" dirty="0" smtClean="0"/>
+              <a:rPr lang="en-US" dirty="0"/>
               <a:t>  </a:t>
             </a:r>
             <a:r>
-              <a:rPr lang="en-US" dirty="0" err="1" smtClean="0"/>
+              <a:rPr lang="en-US" dirty="0" err="1"/>
               <a:t>flask_soketio</a:t>
             </a:r>
-            <a:endParaRPr lang="en-US" dirty="0" smtClean="0"/>
+            <a:endParaRPr lang="en-US" dirty="0"/>
           </a:p>
           <a:p>
             <a:pPr>
@@ -6710,14 +6649,14 @@
               <a:buChar char="•"/>
             </a:pPr>
             <a:r>
-              <a:rPr lang="en-US" dirty="0" smtClean="0"/>
+              <a:rPr lang="en-US" dirty="0"/>
               <a:t> </a:t>
             </a:r>
             <a:r>
-              <a:rPr lang="en-US" dirty="0" err="1" smtClean="0"/>
+              <a:rPr lang="en-US" dirty="0" err="1"/>
               <a:t>feedparser</a:t>
             </a:r>
-            <a:endParaRPr lang="en-US" dirty="0" smtClean="0"/>
+            <a:endParaRPr lang="en-US" dirty="0"/>
           </a:p>
           <a:p>
             <a:pPr>
@@ -6725,14 +6664,14 @@
               <a:buChar char="•"/>
             </a:pPr>
             <a:r>
-              <a:rPr lang="en-US" dirty="0" smtClean="0"/>
+              <a:rPr lang="en-US" dirty="0"/>
               <a:t> </a:t>
             </a:r>
             <a:r>
-              <a:rPr lang="en-US" dirty="0" err="1" smtClean="0"/>
+              <a:rPr lang="en-US" dirty="0" err="1"/>
               <a:t>json</a:t>
             </a:r>
-            <a:endParaRPr lang="en-US" dirty="0" smtClean="0"/>
+            <a:endParaRPr lang="en-US" dirty="0"/>
           </a:p>
           <a:p>
             <a:pPr>
@@ -6740,14 +6679,14 @@
               <a:buChar char="•"/>
             </a:pPr>
             <a:r>
-              <a:rPr lang="en-US" dirty="0" smtClean="0"/>
+              <a:rPr lang="en-US" dirty="0"/>
               <a:t> </a:t>
             </a:r>
             <a:r>
-              <a:rPr lang="en-US" dirty="0" err="1" smtClean="0"/>
+              <a:rPr lang="en-US" dirty="0" err="1"/>
               <a:t>os</a:t>
             </a:r>
-            <a:endParaRPr lang="en-US" dirty="0" smtClean="0"/>
+            <a:endParaRPr lang="en-US" dirty="0"/>
           </a:p>
           <a:p>
             <a:pPr>
@@ -6755,11 +6694,11 @@
               <a:buChar char="•"/>
             </a:pPr>
             <a:r>
-              <a:rPr lang="en-US" dirty="0" smtClean="0"/>
+              <a:rPr lang="en-US" dirty="0"/>
               <a:t> </a:t>
             </a:r>
             <a:r>
-              <a:rPr lang="en-US" dirty="0" err="1" smtClean="0"/>
+              <a:rPr lang="en-US" dirty="0" err="1"/>
               <a:t>datetime</a:t>
             </a:r>
             <a:endParaRPr lang="ru-RU" dirty="0"/>
@@ -6813,18 +6752,13 @@
           <a:lstStyle/>
           <a:p>
             <a:r>
-              <a:rPr lang="ru-RU" sz="2400" b="1" dirty="0" smtClean="0">
+              <a:rPr lang="ru-RU" sz="2400" b="1" dirty="0">
                 <a:solidFill>
                   <a:srgbClr val="FF0000"/>
                 </a:solidFill>
               </a:rPr>
               <a:t>Заключение:</a:t>
             </a:r>
-            <a:endParaRPr lang="ru-RU" sz="2400" b="1" dirty="0">
-              <a:solidFill>
-                <a:srgbClr val="FF0000"/>
-              </a:solidFill>
-            </a:endParaRPr>
           </a:p>
         </p:txBody>
       </p:sp>
@@ -6863,7 +6797,7 @@
         <p:spPr>
           <a:xfrm>
             <a:off x="1428728" y="2714620"/>
-            <a:ext cx="5064528" cy="1200329"/>
+            <a:ext cx="5863721" cy="1200329"/>
           </a:xfrm>
           <a:prstGeom prst="rect">
             <a:avLst/>
@@ -6877,63 +6811,77 @@
           <a:lstStyle/>
           <a:p>
             <a:r>
-              <a:rPr lang="ru-RU" dirty="0" smtClean="0">
+              <a:rPr lang="ru-RU" dirty="0">
                 <a:latin typeface="Calibri" pitchFamily="34" charset="0"/>
                 <a:cs typeface="Calibri" pitchFamily="34" charset="0"/>
               </a:rPr>
               <a:t>В эту работу было вложено много сил и времени</a:t>
             </a:r>
             <a:r>
-              <a:rPr lang="en-US" dirty="0" smtClean="0">
+              <a:rPr lang="en-US" dirty="0">
                 <a:latin typeface="Calibri" pitchFamily="34" charset="0"/>
                 <a:cs typeface="Calibri" pitchFamily="34" charset="0"/>
               </a:rPr>
               <a:t>.</a:t>
             </a:r>
-            <a:endParaRPr lang="ru-RU" dirty="0" smtClean="0">
+            <a:endParaRPr lang="ru-RU" dirty="0">
               <a:latin typeface="Calibri" pitchFamily="34" charset="0"/>
               <a:cs typeface="Calibri" pitchFamily="34" charset="0"/>
             </a:endParaRPr>
           </a:p>
           <a:p>
             <a:r>
-              <a:rPr lang="ru-RU" dirty="0" smtClean="0">
+              <a:rPr lang="ru-RU" dirty="0">
                 <a:latin typeface="Calibri" pitchFamily="34" charset="0"/>
                 <a:cs typeface="Calibri" pitchFamily="34" charset="0"/>
               </a:rPr>
               <a:t> Мы считаем что наш сайт будет полезен людям</a:t>
             </a:r>
-          </a:p>
-          <a:p>
-            <a:r>
-              <a:rPr lang="ru-RU" dirty="0" smtClean="0">
+            <a:r>
+              <a:rPr lang="en-US" dirty="0">
+                <a:latin typeface="Calibri" pitchFamily="34" charset="0"/>
+                <a:cs typeface="Calibri" pitchFamily="34" charset="0"/>
+              </a:rPr>
+              <a:t>, </a:t>
+            </a:r>
+            <a:r>
+              <a:rPr lang="ru-RU" dirty="0">
+                <a:latin typeface="Calibri" pitchFamily="34" charset="0"/>
+                <a:cs typeface="Calibri" pitchFamily="34" charset="0"/>
+              </a:rPr>
+              <a:t>которые</a:t>
+            </a:r>
+          </a:p>
+          <a:p>
+            <a:r>
+              <a:rPr lang="ru-RU" dirty="0">
                 <a:latin typeface="Calibri" pitchFamily="34" charset="0"/>
                 <a:cs typeface="Calibri" pitchFamily="34" charset="0"/>
               </a:rPr>
               <a:t>тратят много времени на нахождение людей</a:t>
             </a:r>
             <a:r>
-              <a:rPr lang="en-US" dirty="0" smtClean="0">
+              <a:rPr lang="en-US" dirty="0">
                 <a:latin typeface="Calibri" pitchFamily="34" charset="0"/>
                 <a:cs typeface="Calibri" pitchFamily="34" charset="0"/>
               </a:rPr>
               <a:t>, </a:t>
             </a:r>
-            <a:endParaRPr lang="ru-RU" dirty="0" smtClean="0">
+            <a:endParaRPr lang="ru-RU" dirty="0">
               <a:latin typeface="Calibri" pitchFamily="34" charset="0"/>
               <a:cs typeface="Calibri" pitchFamily="34" charset="0"/>
             </a:endParaRPr>
           </a:p>
           <a:p>
             <a:r>
-              <a:rPr lang="ru-RU" dirty="0" smtClean="0">
+              <a:rPr lang="ru-RU" dirty="0">
                 <a:latin typeface="Calibri" pitchFamily="34" charset="0"/>
                 <a:cs typeface="Calibri" pitchFamily="34" charset="0"/>
               </a:rPr>
               <a:t>с которыми можно поиграть</a:t>
             </a:r>
             <a:r>
-              <a:rPr lang="en-US" dirty="0" smtClean="0">
+              <a:rPr lang="en-US" dirty="0">
                 <a:latin typeface="Calibri" pitchFamily="34" charset="0"/>
                 <a:cs typeface="Calibri" pitchFamily="34" charset="0"/>
               </a:rPr>
@@ -6969,97 +6917,76 @@
           <a:lstStyle/>
           <a:p>
             <a:r>
-              <a:rPr lang="ru-RU" dirty="0" smtClean="0">
+              <a:rPr lang="ru-RU" dirty="0">
                 <a:latin typeface="Calibri" pitchFamily="34" charset="0"/>
                 <a:cs typeface="Calibri" pitchFamily="34" charset="0"/>
               </a:rPr>
               <a:t>В дальнейших обновлениях можно добавить</a:t>
             </a:r>
             <a:r>
-              <a:rPr lang="en-US" dirty="0" smtClean="0">
+              <a:rPr lang="en-US" dirty="0">
                 <a:latin typeface="Calibri" pitchFamily="34" charset="0"/>
                 <a:cs typeface="Calibri" pitchFamily="34" charset="0"/>
               </a:rPr>
               <a:t>: </a:t>
             </a:r>
             <a:r>
-              <a:rPr lang="ru-RU" dirty="0" smtClean="0">
+              <a:rPr lang="ru-RU" dirty="0">
                 <a:latin typeface="Calibri" pitchFamily="34" charset="0"/>
                 <a:cs typeface="Calibri" pitchFamily="34" charset="0"/>
               </a:rPr>
               <a:t>больше тем</a:t>
             </a:r>
             <a:r>
-              <a:rPr lang="en-US" dirty="0" smtClean="0">
+              <a:rPr lang="en-US" dirty="0">
                 <a:latin typeface="Calibri" pitchFamily="34" charset="0"/>
                 <a:cs typeface="Calibri" pitchFamily="34" charset="0"/>
               </a:rPr>
               <a:t>, </a:t>
             </a:r>
             <a:r>
-              <a:rPr lang="ru-RU" dirty="0" smtClean="0">
+              <a:rPr lang="ru-RU" dirty="0">
                 <a:latin typeface="Calibri" pitchFamily="34" charset="0"/>
                 <a:cs typeface="Calibri" pitchFamily="34" charset="0"/>
               </a:rPr>
               <a:t>больше игр</a:t>
             </a:r>
             <a:r>
-              <a:rPr lang="en-US" dirty="0" smtClean="0">
+              <a:rPr lang="en-US" dirty="0">
                 <a:latin typeface="Calibri" pitchFamily="34" charset="0"/>
                 <a:cs typeface="Calibri" pitchFamily="34" charset="0"/>
               </a:rPr>
               <a:t>, </a:t>
             </a:r>
-            <a:endParaRPr lang="ru-RU" dirty="0" smtClean="0">
+            <a:endParaRPr lang="ru-RU" dirty="0">
               <a:latin typeface="Calibri" pitchFamily="34" charset="0"/>
               <a:cs typeface="Calibri" pitchFamily="34" charset="0"/>
             </a:endParaRPr>
           </a:p>
           <a:p>
             <a:r>
-              <a:rPr lang="ru-RU" dirty="0" smtClean="0">
+              <a:rPr lang="ru-RU" dirty="0">
                 <a:latin typeface="Calibri" pitchFamily="34" charset="0"/>
                 <a:cs typeface="Calibri" pitchFamily="34" charset="0"/>
               </a:rPr>
-              <a:t>б</a:t>
-            </a:r>
-            <a:r>
-              <a:rPr lang="ru-RU" dirty="0" smtClean="0">
-                <a:latin typeface="Calibri" pitchFamily="34" charset="0"/>
-                <a:cs typeface="Calibri" pitchFamily="34" charset="0"/>
-              </a:rPr>
-              <a:t>ольше ролей</a:t>
-            </a:r>
-            <a:r>
-              <a:rPr lang="en-US" dirty="0" smtClean="0">
+              <a:t>больше ролей</a:t>
+            </a:r>
+            <a:r>
+              <a:rPr lang="en-US" dirty="0">
                 <a:latin typeface="Calibri" pitchFamily="34" charset="0"/>
                 <a:cs typeface="Calibri" pitchFamily="34" charset="0"/>
               </a:rPr>
               <a:t>, </a:t>
             </a:r>
             <a:r>
-              <a:rPr lang="ru-RU" dirty="0" smtClean="0">
+              <a:rPr lang="ru-RU" dirty="0">
                 <a:latin typeface="Calibri" pitchFamily="34" charset="0"/>
                 <a:cs typeface="Calibri" pitchFamily="34" charset="0"/>
               </a:rPr>
-              <a:t>сделать </a:t>
-            </a:r>
-            <a:r>
-              <a:rPr lang="ru-RU" dirty="0" smtClean="0">
-                <a:latin typeface="Calibri" pitchFamily="34" charset="0"/>
-                <a:cs typeface="Calibri" pitchFamily="34" charset="0"/>
-              </a:rPr>
-              <a:t>более корректную работу </a:t>
-            </a:r>
-            <a:r>
-              <a:rPr lang="ru-RU" dirty="0" smtClean="0">
-                <a:latin typeface="Calibri" pitchFamily="34" charset="0"/>
-                <a:cs typeface="Calibri" pitchFamily="34" charset="0"/>
-              </a:rPr>
-              <a:t>чата</a:t>
-            </a:r>
-            <a:r>
-              <a:rPr lang="en-US" dirty="0" smtClean="0">
+              <a:t>сделать более корректную работу чата</a:t>
+            </a:r>
+            <a:r>
+              <a:rPr lang="en-US" dirty="0">
                 <a:latin typeface="Calibri" pitchFamily="34" charset="0"/>
                 <a:cs typeface="Calibri" pitchFamily="34" charset="0"/>
               </a:rPr>
